--- a/CBP專案/帳單API_part1.pptx
+++ b/CBP專案/帳單API_part1.pptx
@@ -267,7 +267,7 @@
           <a:p>
             <a:fld id="{6C7F2551-9F6C-44B5-880F-AA7CE6DE8A99}" type="datetimeFigureOut">
               <a:rPr lang="zh-TW" altLang="en-US" smtClean="0"/>
-              <a:t>2023/3/15</a:t>
+              <a:t>2023/3/21</a:t>
             </a:fld>
             <a:endParaRPr lang="zh-TW" altLang="en-US"/>
           </a:p>
@@ -465,7 +465,7 @@
           <a:p>
             <a:fld id="{6C7F2551-9F6C-44B5-880F-AA7CE6DE8A99}" type="datetimeFigureOut">
               <a:rPr lang="zh-TW" altLang="en-US" smtClean="0"/>
-              <a:t>2023/3/15</a:t>
+              <a:t>2023/3/21</a:t>
             </a:fld>
             <a:endParaRPr lang="zh-TW" altLang="en-US"/>
           </a:p>
@@ -673,7 +673,7 @@
           <a:p>
             <a:fld id="{6C7F2551-9F6C-44B5-880F-AA7CE6DE8A99}" type="datetimeFigureOut">
               <a:rPr lang="zh-TW" altLang="en-US" smtClean="0"/>
-              <a:t>2023/3/15</a:t>
+              <a:t>2023/3/21</a:t>
             </a:fld>
             <a:endParaRPr lang="zh-TW" altLang="en-US"/>
           </a:p>
@@ -871,7 +871,7 @@
           <a:p>
             <a:fld id="{6C7F2551-9F6C-44B5-880F-AA7CE6DE8A99}" type="datetimeFigureOut">
               <a:rPr lang="zh-TW" altLang="en-US" smtClean="0"/>
-              <a:t>2023/3/15</a:t>
+              <a:t>2023/3/21</a:t>
             </a:fld>
             <a:endParaRPr lang="zh-TW" altLang="en-US"/>
           </a:p>
@@ -1146,7 +1146,7 @@
           <a:p>
             <a:fld id="{6C7F2551-9F6C-44B5-880F-AA7CE6DE8A99}" type="datetimeFigureOut">
               <a:rPr lang="zh-TW" altLang="en-US" smtClean="0"/>
-              <a:t>2023/3/15</a:t>
+              <a:t>2023/3/21</a:t>
             </a:fld>
             <a:endParaRPr lang="zh-TW" altLang="en-US"/>
           </a:p>
@@ -1411,7 +1411,7 @@
           <a:p>
             <a:fld id="{6C7F2551-9F6C-44B5-880F-AA7CE6DE8A99}" type="datetimeFigureOut">
               <a:rPr lang="zh-TW" altLang="en-US" smtClean="0"/>
-              <a:t>2023/3/15</a:t>
+              <a:t>2023/3/21</a:t>
             </a:fld>
             <a:endParaRPr lang="zh-TW" altLang="en-US"/>
           </a:p>
@@ -1823,7 +1823,7 @@
           <a:p>
             <a:fld id="{6C7F2551-9F6C-44B5-880F-AA7CE6DE8A99}" type="datetimeFigureOut">
               <a:rPr lang="zh-TW" altLang="en-US" smtClean="0"/>
-              <a:t>2023/3/15</a:t>
+              <a:t>2023/3/21</a:t>
             </a:fld>
             <a:endParaRPr lang="zh-TW" altLang="en-US"/>
           </a:p>
@@ -1964,7 +1964,7 @@
           <a:p>
             <a:fld id="{6C7F2551-9F6C-44B5-880F-AA7CE6DE8A99}" type="datetimeFigureOut">
               <a:rPr lang="zh-TW" altLang="en-US" smtClean="0"/>
-              <a:t>2023/3/15</a:t>
+              <a:t>2023/3/21</a:t>
             </a:fld>
             <a:endParaRPr lang="zh-TW" altLang="en-US"/>
           </a:p>
@@ -2077,7 +2077,7 @@
           <a:p>
             <a:fld id="{6C7F2551-9F6C-44B5-880F-AA7CE6DE8A99}" type="datetimeFigureOut">
               <a:rPr lang="zh-TW" altLang="en-US" smtClean="0"/>
-              <a:t>2023/3/15</a:t>
+              <a:t>2023/3/21</a:t>
             </a:fld>
             <a:endParaRPr lang="zh-TW" altLang="en-US"/>
           </a:p>
@@ -2388,7 +2388,7 @@
           <a:p>
             <a:fld id="{6C7F2551-9F6C-44B5-880F-AA7CE6DE8A99}" type="datetimeFigureOut">
               <a:rPr lang="zh-TW" altLang="en-US" smtClean="0"/>
-              <a:t>2023/3/15</a:t>
+              <a:t>2023/3/21</a:t>
             </a:fld>
             <a:endParaRPr lang="zh-TW" altLang="en-US"/>
           </a:p>
@@ -2676,7 +2676,7 @@
           <a:p>
             <a:fld id="{6C7F2551-9F6C-44B5-880F-AA7CE6DE8A99}" type="datetimeFigureOut">
               <a:rPr lang="zh-TW" altLang="en-US" smtClean="0"/>
-              <a:t>2023/3/15</a:t>
+              <a:t>2023/3/21</a:t>
             </a:fld>
             <a:endParaRPr lang="zh-TW" altLang="en-US"/>
           </a:p>
@@ -2917,7 +2917,7 @@
           <a:p>
             <a:fld id="{6C7F2551-9F6C-44B5-880F-AA7CE6DE8A99}" type="datetimeFigureOut">
               <a:rPr lang="zh-TW" altLang="en-US" smtClean="0"/>
-              <a:t>2023/3/15</a:t>
+              <a:t>2023/3/21</a:t>
             </a:fld>
             <a:endParaRPr lang="zh-TW" altLang="en-US"/>
           </a:p>
@@ -4595,6 +4595,10 @@
           </a:bodyPr>
           <a:lstStyle/>
           <a:p>
+            <a:r>
+              <a:rPr lang="en-US" altLang="zh-TW" sz="1200" dirty="0"/>
+              <a:t/>
+            </a:r>
             <a:br>
               <a:rPr lang="en-US" altLang="zh-TW" sz="1200" dirty="0"/>
             </a:br>
@@ -5805,12 +5809,51 @@
             <a:endParaRPr lang="zh-TW" altLang="en-US" sz="800" dirty="0"/>
           </a:p>
           <a:p>
+            <a:r>
+              <a:rPr lang="en-US" altLang="zh-TW" sz="800" dirty="0"/>
+              <a:t/>
+            </a:r>
             <a:br>
               <a:rPr lang="en-US" altLang="zh-TW" sz="800" dirty="0"/>
             </a:br>
             <a:r>
+              <a:rPr lang="zh-TW" altLang="en-US" sz="800" dirty="0" smtClean="0"/>
+              <a:t>{</a:t>
+            </a:r>
+            <a:endParaRPr lang="en-US" altLang="zh-TW" sz="800" dirty="0" smtClean="0"/>
+          </a:p>
+          <a:p>
+            <a:r>
+              <a:rPr lang="zh-TW" altLang="en-US" sz="800" dirty="0" smtClean="0"/>
+              <a:t>        </a:t>
+            </a:r>
+            <a:r>
               <a:rPr lang="zh-TW" altLang="en-US" sz="800" dirty="0"/>
-              <a:t>{</a:t>
+              <a:t>"</a:t>
+            </a:r>
+            <a:r>
+              <a:rPr lang="en-US" altLang="zh-TW" sz="800" dirty="0" err="1" smtClean="0"/>
+              <a:t>PONo</a:t>
+            </a:r>
+            <a:r>
+              <a:rPr lang="zh-TW" altLang="en-US" sz="800" dirty="0"/>
+              <a:t>"</a:t>
+            </a:r>
+            <a:r>
+              <a:rPr lang="en-US" altLang="zh-TW" sz="800" dirty="0" smtClean="0"/>
+              <a:t>: </a:t>
+            </a:r>
+            <a:r>
+              <a:rPr lang="zh-TW" altLang="en-US" sz="800" dirty="0"/>
+              <a:t>"</a:t>
+            </a:r>
+            <a:r>
+              <a:rPr lang="en-US" altLang="zh-TW" sz="800" dirty="0" smtClean="0"/>
+              <a:t>string</a:t>
+            </a:r>
+            <a:r>
+              <a:rPr lang="zh-TW" altLang="en-US" sz="800" dirty="0"/>
+              <a:t>"</a:t>
             </a:r>
             <a:endParaRPr lang="en-US" altLang="zh-TW" sz="800" dirty="0"/>
           </a:p>
